--- a/23-curryhoward/lec.pptx
+++ b/23-curryhoward/lec.pptx
@@ -43,8 +43,8 @@
     <p:sldId id="599" r:id="rId34"/>
     <p:sldId id="600" r:id="rId35"/>
     <p:sldId id="605" r:id="rId36"/>
-    <p:sldId id="604" r:id="rId37"/>
-    <p:sldId id="610" r:id="rId38"/>
+    <p:sldId id="610" r:id="rId37"/>
+    <p:sldId id="604" r:id="rId38"/>
     <p:sldId id="611" r:id="rId39"/>
     <p:sldId id="622" r:id="rId40"/>
     <p:sldId id="581" r:id="rId41"/>
@@ -253,7 +253,7 @@
           <a:p>
             <a:fld id="{5367F125-181F-9A48-A24E-AAD89CB055B5}" type="datetimeFigureOut">
               <a:rPr lang="en-US" smtClean="0"/>
-              <a:t>11/20/19</a:t>
+              <a:t>11/21/19</a:t>
             </a:fld>
             <a:endParaRPr lang="en-US"/>
           </a:p>
@@ -943,7 +943,7 @@
     </p:spTree>
     <p:extLst>
       <p:ext uri="{BB962C8B-B14F-4D97-AF65-F5344CB8AC3E}">
-        <p14:creationId xmlns:p14="http://schemas.microsoft.com/office/powerpoint/2010/main" val="2513767851"/>
+        <p14:creationId xmlns:p14="http://schemas.microsoft.com/office/powerpoint/2010/main" val="328171645"/>
       </p:ext>
     </p:extLst>
   </p:cSld>
@@ -2125,7 +2125,7 @@
           <a:p>
             <a:fld id="{96331252-4874-F047-84B8-3D3EF8743E79}" type="datetimeFigureOut">
               <a:rPr lang="en-US" smtClean="0"/>
-              <a:t>11/20/19</a:t>
+              <a:t>11/21/19</a:t>
             </a:fld>
             <a:endParaRPr lang="en-US"/>
           </a:p>
@@ -2392,7 +2392,7 @@
           <a:p>
             <a:fld id="{96331252-4874-F047-84B8-3D3EF8743E79}" type="datetimeFigureOut">
               <a:rPr lang="en-US" smtClean="0"/>
-              <a:t>11/20/19</a:t>
+              <a:t>11/21/19</a:t>
             </a:fld>
             <a:endParaRPr lang="en-US"/>
           </a:p>
@@ -2570,7 +2570,7 @@
           <a:p>
             <a:fld id="{96331252-4874-F047-84B8-3D3EF8743E79}" type="datetimeFigureOut">
               <a:rPr lang="en-US" smtClean="0"/>
-              <a:t>11/20/19</a:t>
+              <a:t>11/21/19</a:t>
             </a:fld>
             <a:endParaRPr lang="en-US"/>
           </a:p>
@@ -2738,7 +2738,7 @@
           <a:p>
             <a:fld id="{96331252-4874-F047-84B8-3D3EF8743E79}" type="datetimeFigureOut">
               <a:rPr lang="en-US" smtClean="0"/>
-              <a:t>11/20/19</a:t>
+              <a:t>11/21/19</a:t>
             </a:fld>
             <a:endParaRPr lang="en-US"/>
           </a:p>
@@ -2983,7 +2983,7 @@
           <a:p>
             <a:fld id="{96331252-4874-F047-84B8-3D3EF8743E79}" type="datetimeFigureOut">
               <a:rPr lang="en-US" smtClean="0"/>
-              <a:t>11/20/19</a:t>
+              <a:t>11/21/19</a:t>
             </a:fld>
             <a:endParaRPr lang="en-US"/>
           </a:p>
@@ -3268,7 +3268,7 @@
           <a:p>
             <a:fld id="{96331252-4874-F047-84B8-3D3EF8743E79}" type="datetimeFigureOut">
               <a:rPr lang="en-US" smtClean="0"/>
-              <a:t>11/20/19</a:t>
+              <a:t>11/21/19</a:t>
             </a:fld>
             <a:endParaRPr lang="en-US"/>
           </a:p>
@@ -3687,7 +3687,7 @@
           <a:p>
             <a:fld id="{96331252-4874-F047-84B8-3D3EF8743E79}" type="datetimeFigureOut">
               <a:rPr lang="en-US" smtClean="0"/>
-              <a:t>11/20/19</a:t>
+              <a:t>11/21/19</a:t>
             </a:fld>
             <a:endParaRPr lang="en-US"/>
           </a:p>
@@ -3804,7 +3804,7 @@
           <a:p>
             <a:fld id="{96331252-4874-F047-84B8-3D3EF8743E79}" type="datetimeFigureOut">
               <a:rPr lang="en-US" smtClean="0"/>
-              <a:t>11/20/19</a:t>
+              <a:t>11/21/19</a:t>
             </a:fld>
             <a:endParaRPr lang="en-US"/>
           </a:p>
@@ -3899,7 +3899,7 @@
           <a:p>
             <a:fld id="{96331252-4874-F047-84B8-3D3EF8743E79}" type="datetimeFigureOut">
               <a:rPr lang="en-US" smtClean="0"/>
-              <a:t>11/20/19</a:t>
+              <a:t>11/21/19</a:t>
             </a:fld>
             <a:endParaRPr lang="en-US"/>
           </a:p>
@@ -4174,7 +4174,7 @@
           <a:p>
             <a:fld id="{96331252-4874-F047-84B8-3D3EF8743E79}" type="datetimeFigureOut">
               <a:rPr lang="en-US" smtClean="0"/>
-              <a:t>11/20/19</a:t>
+              <a:t>11/21/19</a:t>
             </a:fld>
             <a:endParaRPr lang="en-US"/>
           </a:p>
@@ -4426,7 +4426,7 @@
           <a:p>
             <a:fld id="{96331252-4874-F047-84B8-3D3EF8743E79}" type="datetimeFigureOut">
               <a:rPr lang="en-US" smtClean="0"/>
-              <a:t>11/20/19</a:t>
+              <a:t>11/21/19</a:t>
             </a:fld>
             <a:endParaRPr lang="en-US"/>
           </a:p>
@@ -4640,7 +4640,7 @@
             <a:fld id="{96331252-4874-F047-84B8-3D3EF8743E79}" type="datetimeFigureOut">
               <a:rPr lang="en-US" smtClean="0"/>
               <a:pPr/>
-              <a:t>11/20/19</a:t>
+              <a:t>11/21/19</a:t>
             </a:fld>
             <a:endParaRPr lang="en-US"/>
           </a:p>
@@ -12695,9 +12695,9 @@
         <p:grpSpPr>
           <a:xfrm>
             <a:off x="1185049" y="4307585"/>
-            <a:ext cx="6920675" cy="1470146"/>
+            <a:ext cx="6920675" cy="1470145"/>
             <a:chOff x="2890774" y="1727773"/>
-            <a:chExt cx="6920675" cy="1470146"/>
+            <a:chExt cx="6920675" cy="1470145"/>
           </a:xfrm>
         </p:grpSpPr>
         <p:cxnSp>
@@ -12750,7 +12750,7 @@
           <p:spPr>
             <a:xfrm>
               <a:off x="4568607" y="2613143"/>
-              <a:ext cx="2993127" cy="584776"/>
+              <a:ext cx="3561809" cy="584775"/>
             </a:xfrm>
             <a:prstGeom prst="rect">
               <a:avLst/>
@@ -12764,8 +12764,12 @@
             <a:lstStyle/>
             <a:p>
               <a:r>
+                <a:rPr lang="en-US" sz="3200" dirty="0" err="1"/>
+                <a:t>env</a:t>
+              </a:r>
+              <a:r>
                 <a:rPr lang="en-US" sz="3200" dirty="0"/>
-                <a:t>T ⊢ </a:t>
+                <a:t> ⊢ </a:t>
               </a:r>
               <a:r>
                 <a:rPr lang="en-US" sz="3200" dirty="0">
@@ -14049,13 +14053,459 @@
         </p:nvSpPr>
         <p:spPr/>
         <p:txBody>
+          <a:bodyPr>
+            <a:normAutofit/>
+          </a:bodyPr>
+          <a:lstStyle/>
+          <a:p>
+            <a:r>
+              <a:rPr lang="en-US" dirty="0"/>
+              <a:t>Typing rules for pairs</a:t>
+            </a:r>
+          </a:p>
+        </p:txBody>
+      </p:sp>
+      <p:grpSp>
+        <p:nvGrpSpPr>
+          <p:cNvPr id="22" name="Group 21"/>
+          <p:cNvGrpSpPr/>
+          <p:nvPr/>
+        </p:nvGrpSpPr>
+        <p:grpSpPr>
+          <a:xfrm>
+            <a:off x="2237640" y="1962427"/>
+            <a:ext cx="3702873" cy="1470658"/>
+            <a:chOff x="639439" y="1680698"/>
+            <a:chExt cx="2451934" cy="1470658"/>
+          </a:xfrm>
+        </p:grpSpPr>
+        <p:cxnSp>
+          <p:nvCxnSpPr>
+            <p:cNvPr id="23" name="Straight Connector 22"/>
+            <p:cNvCxnSpPr>
+              <a:cxnSpLocks/>
+            </p:cNvCxnSpPr>
+            <p:nvPr/>
+          </p:nvCxnSpPr>
+          <p:spPr>
+            <a:xfrm>
+              <a:off x="661411" y="2460743"/>
+              <a:ext cx="2296452" cy="0"/>
+            </a:xfrm>
+            <a:prstGeom prst="line">
+              <a:avLst/>
+            </a:prstGeom>
+            <a:ln>
+              <a:solidFill>
+                <a:schemeClr val="tx1"/>
+              </a:solidFill>
+              <a:prstDash val="solid"/>
+              <a:headEnd type="none"/>
+              <a:tailEnd type="none"/>
+            </a:ln>
+            <a:effectLst/>
+          </p:spPr>
+          <p:style>
+            <a:lnRef idx="2">
+              <a:schemeClr val="accent1"/>
+            </a:lnRef>
+            <a:fillRef idx="0">
+              <a:schemeClr val="accent1"/>
+            </a:fillRef>
+            <a:effectRef idx="1">
+              <a:schemeClr val="accent1"/>
+            </a:effectRef>
+            <a:fontRef idx="minor">
+              <a:schemeClr val="tx1"/>
+            </a:fontRef>
+          </p:style>
+        </p:cxnSp>
+        <p:sp>
+          <p:nvSpPr>
+            <p:cNvPr id="24" name="TextBox 23"/>
+            <p:cNvSpPr txBox="1"/>
+            <p:nvPr/>
+          </p:nvSpPr>
+          <p:spPr>
+            <a:xfrm>
+              <a:off x="639439" y="2566581"/>
+              <a:ext cx="2451934" cy="584775"/>
+            </a:xfrm>
+            <a:prstGeom prst="rect">
+              <a:avLst/>
+            </a:prstGeom>
+            <a:noFill/>
+          </p:spPr>
+          <p:txBody>
+            <a:bodyPr wrap="none" rtlCol="0">
+              <a:spAutoFit/>
+            </a:bodyPr>
+            <a:lstStyle/>
+            <a:p>
+              <a:r>
+                <a:rPr lang="en-US" sz="3200" dirty="0" err="1"/>
+                <a:t>env</a:t>
+              </a:r>
+              <a:r>
+                <a:rPr lang="en-US" sz="3200" dirty="0">
+                  <a:latin typeface="CronosPro-Regular"/>
+                  <a:cs typeface="CronosPro-Regular"/>
+                </a:rPr>
+                <a:t> ⊢ </a:t>
+              </a:r>
+              <a:r>
+                <a:rPr lang="en-US" sz="3200" dirty="0" err="1">
+                  <a:solidFill>
+                    <a:srgbClr val="C0504D"/>
+                  </a:solidFill>
+                  <a:latin typeface="Courier"/>
+                  <a:cs typeface="Courier"/>
+                </a:rPr>
+                <a:t>fst</a:t>
+              </a:r>
+              <a:r>
+                <a:rPr lang="en-US" sz="3200" dirty="0">
+                  <a:solidFill>
+                    <a:srgbClr val="C0504D"/>
+                  </a:solidFill>
+                  <a:latin typeface="Courier"/>
+                  <a:cs typeface="Courier"/>
+                </a:rPr>
+                <a:t> e</a:t>
+              </a:r>
+              <a:r>
+                <a:rPr lang="en-US" sz="3200" dirty="0">
+                  <a:latin typeface="Courier"/>
+                  <a:cs typeface="Courier"/>
+                </a:rPr>
+                <a:t> : </a:t>
+              </a:r>
+              <a:r>
+                <a:rPr lang="en-US" sz="3200" dirty="0">
+                  <a:solidFill>
+                    <a:srgbClr val="4F81BD"/>
+                  </a:solidFill>
+                  <a:latin typeface="Courier"/>
+                  <a:cs typeface="Courier"/>
+                </a:rPr>
+                <a:t>t1</a:t>
+              </a:r>
+            </a:p>
+          </p:txBody>
+        </p:sp>
+        <p:sp>
+          <p:nvSpPr>
+            <p:cNvPr id="25" name="TextBox 24"/>
+            <p:cNvSpPr txBox="1"/>
+            <p:nvPr/>
+          </p:nvSpPr>
+          <p:spPr>
+            <a:xfrm>
+              <a:off x="640660" y="1680698"/>
+              <a:ext cx="2288469" cy="584775"/>
+            </a:xfrm>
+            <a:prstGeom prst="rect">
+              <a:avLst/>
+            </a:prstGeom>
+            <a:noFill/>
+          </p:spPr>
+          <p:txBody>
+            <a:bodyPr wrap="none" rtlCol="0">
+              <a:spAutoFit/>
+            </a:bodyPr>
+            <a:lstStyle/>
+            <a:p>
+              <a:r>
+                <a:rPr lang="en-US" sz="3200" dirty="0" err="1"/>
+                <a:t>env</a:t>
+              </a:r>
+              <a:r>
+                <a:rPr lang="en-US" sz="3200" dirty="0">
+                  <a:latin typeface="CronosPro-Regular"/>
+                  <a:cs typeface="CronosPro-Regular"/>
+                </a:rPr>
+                <a:t> ⊢ </a:t>
+              </a:r>
+              <a:r>
+                <a:rPr lang="en-US" sz="3200" dirty="0">
+                  <a:solidFill>
+                    <a:schemeClr val="accent2"/>
+                  </a:solidFill>
+                  <a:latin typeface="Courier"/>
+                  <a:cs typeface="Courier"/>
+                </a:rPr>
+                <a:t>e</a:t>
+              </a:r>
+              <a:r>
+                <a:rPr lang="en-US" sz="3200" dirty="0">
+                  <a:latin typeface="Courier"/>
+                  <a:cs typeface="Courier"/>
+                </a:rPr>
+                <a:t> : </a:t>
+              </a:r>
+              <a:r>
+                <a:rPr lang="en-US" sz="3200" dirty="0">
+                  <a:solidFill>
+                    <a:schemeClr val="accent1"/>
+                  </a:solidFill>
+                  <a:latin typeface="Courier"/>
+                  <a:cs typeface="Courier"/>
+                </a:rPr>
+                <a:t>t1*t2</a:t>
+              </a:r>
+            </a:p>
+          </p:txBody>
+        </p:sp>
+      </p:grpSp>
+      <p:grpSp>
+        <p:nvGrpSpPr>
+          <p:cNvPr id="39" name="Group 38"/>
+          <p:cNvGrpSpPr/>
+          <p:nvPr/>
+        </p:nvGrpSpPr>
+        <p:grpSpPr>
+          <a:xfrm>
+            <a:off x="2281047" y="4205136"/>
+            <a:ext cx="3702873" cy="1470658"/>
+            <a:chOff x="639439" y="1680698"/>
+            <a:chExt cx="2471065" cy="1470658"/>
+          </a:xfrm>
+        </p:grpSpPr>
+        <p:cxnSp>
+          <p:nvCxnSpPr>
+            <p:cNvPr id="40" name="Straight Connector 39"/>
+            <p:cNvCxnSpPr>
+              <a:cxnSpLocks/>
+            </p:cNvCxnSpPr>
+            <p:nvPr/>
+          </p:nvCxnSpPr>
+          <p:spPr>
+            <a:xfrm>
+              <a:off x="661411" y="2460743"/>
+              <a:ext cx="2420126" cy="0"/>
+            </a:xfrm>
+            <a:prstGeom prst="line">
+              <a:avLst/>
+            </a:prstGeom>
+            <a:ln>
+              <a:solidFill>
+                <a:schemeClr val="tx1"/>
+              </a:solidFill>
+              <a:prstDash val="solid"/>
+              <a:headEnd type="none"/>
+              <a:tailEnd type="none"/>
+            </a:ln>
+            <a:effectLst/>
+          </p:spPr>
+          <p:style>
+            <a:lnRef idx="2">
+              <a:schemeClr val="accent1"/>
+            </a:lnRef>
+            <a:fillRef idx="0">
+              <a:schemeClr val="accent1"/>
+            </a:fillRef>
+            <a:effectRef idx="1">
+              <a:schemeClr val="accent1"/>
+            </a:effectRef>
+            <a:fontRef idx="minor">
+              <a:schemeClr val="tx1"/>
+            </a:fontRef>
+          </p:style>
+        </p:cxnSp>
+        <p:sp>
+          <p:nvSpPr>
+            <p:cNvPr id="42" name="TextBox 41"/>
+            <p:cNvSpPr txBox="1"/>
+            <p:nvPr/>
+          </p:nvSpPr>
+          <p:spPr>
+            <a:xfrm>
+              <a:off x="639439" y="2566581"/>
+              <a:ext cx="2471065" cy="584775"/>
+            </a:xfrm>
+            <a:prstGeom prst="rect">
+              <a:avLst/>
+            </a:prstGeom>
+            <a:noFill/>
+          </p:spPr>
+          <p:txBody>
+            <a:bodyPr wrap="none" rtlCol="0">
+              <a:spAutoFit/>
+            </a:bodyPr>
+            <a:lstStyle/>
+            <a:p>
+              <a:r>
+                <a:rPr lang="en-US" sz="3200" dirty="0" err="1"/>
+                <a:t>env</a:t>
+              </a:r>
+              <a:r>
+                <a:rPr lang="en-US" sz="3200" dirty="0">
+                  <a:latin typeface="CronosPro-Regular"/>
+                  <a:cs typeface="CronosPro-Regular"/>
+                </a:rPr>
+                <a:t> ⊢ </a:t>
+              </a:r>
+              <a:r>
+                <a:rPr lang="en-US" sz="3200" dirty="0" err="1">
+                  <a:solidFill>
+                    <a:srgbClr val="C0504D"/>
+                  </a:solidFill>
+                  <a:latin typeface="Courier"/>
+                  <a:cs typeface="Courier"/>
+                </a:rPr>
+                <a:t>snd</a:t>
+              </a:r>
+              <a:r>
+                <a:rPr lang="en-US" sz="3200" dirty="0">
+                  <a:solidFill>
+                    <a:srgbClr val="C0504D"/>
+                  </a:solidFill>
+                  <a:latin typeface="Courier"/>
+                  <a:cs typeface="Courier"/>
+                </a:rPr>
+                <a:t> e</a:t>
+              </a:r>
+              <a:r>
+                <a:rPr lang="en-US" sz="3200" dirty="0">
+                  <a:latin typeface="Courier"/>
+                  <a:cs typeface="Courier"/>
+                </a:rPr>
+                <a:t> : </a:t>
+              </a:r>
+              <a:r>
+                <a:rPr lang="en-US" sz="3200" dirty="0">
+                  <a:solidFill>
+                    <a:srgbClr val="4F81BD"/>
+                  </a:solidFill>
+                  <a:latin typeface="Courier"/>
+                  <a:cs typeface="Courier"/>
+                </a:rPr>
+                <a:t>t2</a:t>
+              </a:r>
+            </a:p>
+          </p:txBody>
+        </p:sp>
+        <p:sp>
+          <p:nvSpPr>
+            <p:cNvPr id="44" name="TextBox 43"/>
+            <p:cNvSpPr txBox="1"/>
+            <p:nvPr/>
+          </p:nvSpPr>
+          <p:spPr>
+            <a:xfrm>
+              <a:off x="640660" y="1680698"/>
+              <a:ext cx="2306325" cy="584775"/>
+            </a:xfrm>
+            <a:prstGeom prst="rect">
+              <a:avLst/>
+            </a:prstGeom>
+            <a:noFill/>
+          </p:spPr>
+          <p:txBody>
+            <a:bodyPr wrap="none" rtlCol="0">
+              <a:spAutoFit/>
+            </a:bodyPr>
+            <a:lstStyle/>
+            <a:p>
+              <a:r>
+                <a:rPr lang="en-US" sz="3200" dirty="0" err="1"/>
+                <a:t>env</a:t>
+              </a:r>
+              <a:r>
+                <a:rPr lang="en-US" sz="3200" dirty="0">
+                  <a:latin typeface="CronosPro-Regular"/>
+                  <a:cs typeface="CronosPro-Regular"/>
+                </a:rPr>
+                <a:t> ⊢ </a:t>
+              </a:r>
+              <a:r>
+                <a:rPr lang="en-US" sz="3200" dirty="0">
+                  <a:solidFill>
+                    <a:schemeClr val="accent2"/>
+                  </a:solidFill>
+                  <a:latin typeface="Courier"/>
+                  <a:cs typeface="Courier"/>
+                </a:rPr>
+                <a:t>e</a:t>
+              </a:r>
+              <a:r>
+                <a:rPr lang="en-US" sz="3200" dirty="0">
+                  <a:latin typeface="Courier"/>
+                  <a:cs typeface="Courier"/>
+                </a:rPr>
+                <a:t> : </a:t>
+              </a:r>
+              <a:r>
+                <a:rPr lang="en-US" sz="3200" dirty="0">
+                  <a:solidFill>
+                    <a:schemeClr val="accent1"/>
+                  </a:solidFill>
+                  <a:latin typeface="Courier"/>
+                  <a:cs typeface="Courier"/>
+                </a:rPr>
+                <a:t>t1*t2</a:t>
+              </a:r>
+            </a:p>
+          </p:txBody>
+        </p:sp>
+      </p:grpSp>
+    </p:spTree>
+    <p:extLst>
+      <p:ext uri="{BB962C8B-B14F-4D97-AF65-F5344CB8AC3E}">
+        <p14:creationId xmlns:p14="http://schemas.microsoft.com/office/powerpoint/2010/main" val="4067942003"/>
+      </p:ext>
+    </p:extLst>
+  </p:cSld>
+  <p:clrMapOvr>
+    <a:masterClrMapping/>
+  </p:clrMapOvr>
+</p:sld>
+</file>
+
+<file path=ppt/slides/slide37.xml><?xml version="1.0" encoding="utf-8"?>
+<p:sld xmlns:a="http://schemas.openxmlformats.org/drawingml/2006/main" xmlns:r="http://schemas.openxmlformats.org/officeDocument/2006/relationships" xmlns:p="http://schemas.openxmlformats.org/presentationml/2006/main">
+  <p:cSld>
+    <p:spTree>
+      <p:nvGrpSpPr>
+        <p:cNvPr id="1" name=""/>
+        <p:cNvGrpSpPr/>
+        <p:nvPr/>
+      </p:nvGrpSpPr>
+      <p:grpSpPr>
+        <a:xfrm>
+          <a:off x="0" y="0"/>
+          <a:ext cx="0" cy="0"/>
+          <a:chOff x="0" y="0"/>
+          <a:chExt cx="0" cy="0"/>
+        </a:xfrm>
+      </p:grpSpPr>
+      <p:sp>
+        <p:nvSpPr>
+          <p:cNvPr id="2" name="Title 1"/>
+          <p:cNvSpPr>
+            <a:spLocks noGrp="1"/>
+          </p:cNvSpPr>
+          <p:nvPr>
+            <p:ph type="title"/>
+          </p:nvPr>
+        </p:nvSpPr>
+        <p:spPr/>
+        <p:txBody>
           <a:bodyPr/>
           <a:lstStyle/>
           <a:p>
             <a:r>
               <a:rPr lang="en-US" dirty="0"/>
-              <a:t>More typing rules</a:t>
-            </a:r>
+              <a:t>Proof rules for </a:t>
+            </a:r>
+            <a:r>
+              <a:rPr lang="en-US" dirty="0">
+                <a:latin typeface="CronosPro-Regular"/>
+                <a:cs typeface="CronosPro-Regular"/>
+              </a:rPr>
+              <a:t>∧</a:t>
+            </a:r>
+            <a:endParaRPr lang="en-US" dirty="0"/>
           </a:p>
         </p:txBody>
       </p:sp>
@@ -14569,454 +15019,22 @@
           </p:txBody>
         </p:sp>
       </p:grpSp>
-    </p:spTree>
-    <p:extLst>
-      <p:ext uri="{BB962C8B-B14F-4D97-AF65-F5344CB8AC3E}">
-        <p14:creationId xmlns:p14="http://schemas.microsoft.com/office/powerpoint/2010/main" val="3864997599"/>
-      </p:ext>
-    </p:extLst>
-  </p:cSld>
-  <p:clrMapOvr>
-    <a:masterClrMapping/>
-  </p:clrMapOvr>
-</p:sld>
-</file>
-
-<file path=ppt/slides/slide37.xml><?xml version="1.0" encoding="utf-8"?>
-<p:sld xmlns:a="http://schemas.openxmlformats.org/drawingml/2006/main" xmlns:r="http://schemas.openxmlformats.org/officeDocument/2006/relationships" xmlns:p="http://schemas.openxmlformats.org/presentationml/2006/main">
-  <p:cSld>
-    <p:spTree>
-      <p:nvGrpSpPr>
-        <p:cNvPr id="1" name=""/>
-        <p:cNvGrpSpPr/>
-        <p:nvPr/>
-      </p:nvGrpSpPr>
-      <p:grpSpPr>
-        <a:xfrm>
-          <a:off x="0" y="0"/>
-          <a:ext cx="0" cy="0"/>
-          <a:chOff x="0" y="0"/>
-          <a:chExt cx="0" cy="0"/>
-        </a:xfrm>
-      </p:grpSpPr>
-      <p:sp>
-        <p:nvSpPr>
-          <p:cNvPr id="2" name="Title 1"/>
-          <p:cNvSpPr>
-            <a:spLocks noGrp="1"/>
-          </p:cNvSpPr>
-          <p:nvPr>
-            <p:ph type="title"/>
-          </p:nvPr>
-        </p:nvSpPr>
-        <p:spPr/>
-        <p:txBody>
-          <a:bodyPr>
-            <a:normAutofit/>
-          </a:bodyPr>
-          <a:lstStyle/>
-          <a:p>
-            <a:r>
-              <a:rPr lang="en-US" dirty="0"/>
-              <a:t>More computing with evidence</a:t>
-            </a:r>
-          </a:p>
-        </p:txBody>
-      </p:sp>
-      <p:grpSp>
-        <p:nvGrpSpPr>
-          <p:cNvPr id="22" name="Group 21"/>
-          <p:cNvGrpSpPr/>
-          <p:nvPr/>
-        </p:nvGrpSpPr>
-        <p:grpSpPr>
-          <a:xfrm>
-            <a:off x="2237640" y="1962427"/>
-            <a:ext cx="3702873" cy="1470658"/>
-            <a:chOff x="639439" y="1680698"/>
-            <a:chExt cx="2451934" cy="1470658"/>
-          </a:xfrm>
-        </p:grpSpPr>
-        <p:cxnSp>
-          <p:nvCxnSpPr>
-            <p:cNvPr id="23" name="Straight Connector 22"/>
-            <p:cNvCxnSpPr>
-              <a:cxnSpLocks/>
-            </p:cNvCxnSpPr>
-            <p:nvPr/>
-          </p:nvCxnSpPr>
-          <p:spPr>
-            <a:xfrm>
-              <a:off x="661411" y="2460743"/>
-              <a:ext cx="2296452" cy="0"/>
-            </a:xfrm>
-            <a:prstGeom prst="line">
-              <a:avLst/>
-            </a:prstGeom>
-            <a:ln>
-              <a:solidFill>
-                <a:schemeClr val="tx1"/>
-              </a:solidFill>
-              <a:prstDash val="solid"/>
-              <a:headEnd type="none"/>
-              <a:tailEnd type="none"/>
-            </a:ln>
-            <a:effectLst/>
-          </p:spPr>
-          <p:style>
-            <a:lnRef idx="2">
-              <a:schemeClr val="accent1"/>
-            </a:lnRef>
-            <a:fillRef idx="0">
-              <a:schemeClr val="accent1"/>
-            </a:fillRef>
-            <a:effectRef idx="1">
-              <a:schemeClr val="accent1"/>
-            </a:effectRef>
-            <a:fontRef idx="minor">
-              <a:schemeClr val="tx1"/>
-            </a:fontRef>
-          </p:style>
-        </p:cxnSp>
-        <p:sp>
-          <p:nvSpPr>
-            <p:cNvPr id="24" name="TextBox 23"/>
-            <p:cNvSpPr txBox="1"/>
-            <p:nvPr/>
-          </p:nvSpPr>
-          <p:spPr>
-            <a:xfrm>
-              <a:off x="639439" y="2566581"/>
-              <a:ext cx="2451934" cy="584775"/>
-            </a:xfrm>
-            <a:prstGeom prst="rect">
-              <a:avLst/>
-            </a:prstGeom>
-            <a:noFill/>
-          </p:spPr>
-          <p:txBody>
-            <a:bodyPr wrap="none" rtlCol="0">
-              <a:spAutoFit/>
-            </a:bodyPr>
-            <a:lstStyle/>
-            <a:p>
-              <a:r>
-                <a:rPr lang="en-US" sz="3200" dirty="0" err="1"/>
-                <a:t>env</a:t>
-              </a:r>
-              <a:r>
-                <a:rPr lang="en-US" sz="3200" dirty="0">
-                  <a:latin typeface="CronosPro-Regular"/>
-                  <a:cs typeface="CronosPro-Regular"/>
-                </a:rPr>
-                <a:t> ⊢ </a:t>
-              </a:r>
-              <a:r>
-                <a:rPr lang="en-US" sz="3200" dirty="0" err="1">
-                  <a:solidFill>
-                    <a:srgbClr val="C0504D"/>
-                  </a:solidFill>
-                  <a:latin typeface="Courier"/>
-                  <a:cs typeface="Courier"/>
-                </a:rPr>
-                <a:t>fst</a:t>
-              </a:r>
-              <a:r>
-                <a:rPr lang="en-US" sz="3200" dirty="0">
-                  <a:solidFill>
-                    <a:srgbClr val="C0504D"/>
-                  </a:solidFill>
-                  <a:latin typeface="Courier"/>
-                  <a:cs typeface="Courier"/>
-                </a:rPr>
-                <a:t> e</a:t>
-              </a:r>
-              <a:r>
-                <a:rPr lang="en-US" sz="3200" dirty="0">
-                  <a:latin typeface="Courier"/>
-                  <a:cs typeface="Courier"/>
-                </a:rPr>
-                <a:t> : </a:t>
-              </a:r>
-              <a:r>
-                <a:rPr lang="en-US" sz="3200" dirty="0">
-                  <a:solidFill>
-                    <a:srgbClr val="4F81BD"/>
-                  </a:solidFill>
-                  <a:latin typeface="Courier"/>
-                  <a:cs typeface="Courier"/>
-                </a:rPr>
-                <a:t>t1</a:t>
-              </a:r>
-            </a:p>
-          </p:txBody>
-        </p:sp>
-        <p:sp>
-          <p:nvSpPr>
-            <p:cNvPr id="25" name="TextBox 24"/>
-            <p:cNvSpPr txBox="1"/>
-            <p:nvPr/>
-          </p:nvSpPr>
-          <p:spPr>
-            <a:xfrm>
-              <a:off x="640660" y="1680698"/>
-              <a:ext cx="2288469" cy="584775"/>
-            </a:xfrm>
-            <a:prstGeom prst="rect">
-              <a:avLst/>
-            </a:prstGeom>
-            <a:noFill/>
-          </p:spPr>
-          <p:txBody>
-            <a:bodyPr wrap="none" rtlCol="0">
-              <a:spAutoFit/>
-            </a:bodyPr>
-            <a:lstStyle/>
-            <a:p>
-              <a:r>
-                <a:rPr lang="en-US" sz="3200" dirty="0" err="1"/>
-                <a:t>env</a:t>
-              </a:r>
-              <a:r>
-                <a:rPr lang="en-US" sz="3200" dirty="0">
-                  <a:latin typeface="CronosPro-Regular"/>
-                  <a:cs typeface="CronosPro-Regular"/>
-                </a:rPr>
-                <a:t> ⊢ </a:t>
-              </a:r>
-              <a:r>
-                <a:rPr lang="en-US" sz="3200" dirty="0">
-                  <a:solidFill>
-                    <a:schemeClr val="accent2"/>
-                  </a:solidFill>
-                  <a:latin typeface="Courier"/>
-                  <a:cs typeface="Courier"/>
-                </a:rPr>
-                <a:t>e</a:t>
-              </a:r>
-              <a:r>
-                <a:rPr lang="en-US" sz="3200" dirty="0">
-                  <a:latin typeface="Courier"/>
-                  <a:cs typeface="Courier"/>
-                </a:rPr>
-                <a:t> : </a:t>
-              </a:r>
-              <a:r>
-                <a:rPr lang="en-US" sz="3200" dirty="0">
-                  <a:solidFill>
-                    <a:schemeClr val="accent1"/>
-                  </a:solidFill>
-                  <a:latin typeface="Courier"/>
-                  <a:cs typeface="Courier"/>
-                </a:rPr>
-                <a:t>t1*t2</a:t>
-              </a:r>
-            </a:p>
-          </p:txBody>
-        </p:sp>
-      </p:grpSp>
-      <p:grpSp>
-        <p:nvGrpSpPr>
-          <p:cNvPr id="39" name="Group 38"/>
-          <p:cNvGrpSpPr/>
-          <p:nvPr/>
-        </p:nvGrpSpPr>
-        <p:grpSpPr>
-          <a:xfrm>
-            <a:off x="2281047" y="4205136"/>
-            <a:ext cx="3702873" cy="1470658"/>
-            <a:chOff x="639439" y="1680698"/>
-            <a:chExt cx="2471065" cy="1470658"/>
-          </a:xfrm>
-        </p:grpSpPr>
-        <p:cxnSp>
-          <p:nvCxnSpPr>
-            <p:cNvPr id="40" name="Straight Connector 39"/>
-            <p:cNvCxnSpPr>
-              <a:cxnSpLocks/>
-            </p:cNvCxnSpPr>
-            <p:nvPr/>
-          </p:nvCxnSpPr>
-          <p:spPr>
-            <a:xfrm>
-              <a:off x="661411" y="2460743"/>
-              <a:ext cx="2420126" cy="0"/>
-            </a:xfrm>
-            <a:prstGeom prst="line">
-              <a:avLst/>
-            </a:prstGeom>
-            <a:ln>
-              <a:solidFill>
-                <a:schemeClr val="tx1"/>
-              </a:solidFill>
-              <a:prstDash val="solid"/>
-              <a:headEnd type="none"/>
-              <a:tailEnd type="none"/>
-            </a:ln>
-            <a:effectLst/>
-          </p:spPr>
-          <p:style>
-            <a:lnRef idx="2">
-              <a:schemeClr val="accent1"/>
-            </a:lnRef>
-            <a:fillRef idx="0">
-              <a:schemeClr val="accent1"/>
-            </a:fillRef>
-            <a:effectRef idx="1">
-              <a:schemeClr val="accent1"/>
-            </a:effectRef>
-            <a:fontRef idx="minor">
-              <a:schemeClr val="tx1"/>
-            </a:fontRef>
-          </p:style>
-        </p:cxnSp>
-        <p:sp>
-          <p:nvSpPr>
-            <p:cNvPr id="42" name="TextBox 41"/>
-            <p:cNvSpPr txBox="1"/>
-            <p:nvPr/>
-          </p:nvSpPr>
-          <p:spPr>
-            <a:xfrm>
-              <a:off x="639439" y="2566581"/>
-              <a:ext cx="2471065" cy="584775"/>
-            </a:xfrm>
-            <a:prstGeom prst="rect">
-              <a:avLst/>
-            </a:prstGeom>
-            <a:noFill/>
-          </p:spPr>
-          <p:txBody>
-            <a:bodyPr wrap="none" rtlCol="0">
-              <a:spAutoFit/>
-            </a:bodyPr>
-            <a:lstStyle/>
-            <a:p>
-              <a:r>
-                <a:rPr lang="en-US" sz="3200" dirty="0" err="1"/>
-                <a:t>env</a:t>
-              </a:r>
-              <a:r>
-                <a:rPr lang="en-US" sz="3200" dirty="0">
-                  <a:latin typeface="CronosPro-Regular"/>
-                  <a:cs typeface="CronosPro-Regular"/>
-                </a:rPr>
-                <a:t> ⊢ </a:t>
-              </a:r>
-              <a:r>
-                <a:rPr lang="en-US" sz="3200" dirty="0" err="1">
-                  <a:solidFill>
-                    <a:srgbClr val="C0504D"/>
-                  </a:solidFill>
-                  <a:latin typeface="Courier"/>
-                  <a:cs typeface="Courier"/>
-                </a:rPr>
-                <a:t>snd</a:t>
-              </a:r>
-              <a:r>
-                <a:rPr lang="en-US" sz="3200" dirty="0">
-                  <a:solidFill>
-                    <a:srgbClr val="C0504D"/>
-                  </a:solidFill>
-                  <a:latin typeface="Courier"/>
-                  <a:cs typeface="Courier"/>
-                </a:rPr>
-                <a:t> e</a:t>
-              </a:r>
-              <a:r>
-                <a:rPr lang="en-US" sz="3200" dirty="0">
-                  <a:latin typeface="Courier"/>
-                  <a:cs typeface="Courier"/>
-                </a:rPr>
-                <a:t> : </a:t>
-              </a:r>
-              <a:r>
-                <a:rPr lang="en-US" sz="3200" dirty="0">
-                  <a:solidFill>
-                    <a:srgbClr val="4F81BD"/>
-                  </a:solidFill>
-                  <a:latin typeface="Courier"/>
-                  <a:cs typeface="Courier"/>
-                </a:rPr>
-                <a:t>t2</a:t>
-              </a:r>
-            </a:p>
-          </p:txBody>
-        </p:sp>
-        <p:sp>
-          <p:nvSpPr>
-            <p:cNvPr id="44" name="TextBox 43"/>
-            <p:cNvSpPr txBox="1"/>
-            <p:nvPr/>
-          </p:nvSpPr>
-          <p:spPr>
-            <a:xfrm>
-              <a:off x="640660" y="1680698"/>
-              <a:ext cx="2306325" cy="584775"/>
-            </a:xfrm>
-            <a:prstGeom prst="rect">
-              <a:avLst/>
-            </a:prstGeom>
-            <a:noFill/>
-          </p:spPr>
-          <p:txBody>
-            <a:bodyPr wrap="none" rtlCol="0">
-              <a:spAutoFit/>
-            </a:bodyPr>
-            <a:lstStyle/>
-            <a:p>
-              <a:r>
-                <a:rPr lang="en-US" sz="3200" dirty="0" err="1"/>
-                <a:t>env</a:t>
-              </a:r>
-              <a:r>
-                <a:rPr lang="en-US" sz="3200" dirty="0">
-                  <a:latin typeface="CronosPro-Regular"/>
-                  <a:cs typeface="CronosPro-Regular"/>
-                </a:rPr>
-                <a:t> ⊢ </a:t>
-              </a:r>
-              <a:r>
-                <a:rPr lang="en-US" sz="3200" dirty="0">
-                  <a:solidFill>
-                    <a:schemeClr val="accent2"/>
-                  </a:solidFill>
-                  <a:latin typeface="Courier"/>
-                  <a:cs typeface="Courier"/>
-                </a:rPr>
-                <a:t>e</a:t>
-              </a:r>
-              <a:r>
-                <a:rPr lang="en-US" sz="3200" dirty="0">
-                  <a:latin typeface="Courier"/>
-                  <a:cs typeface="Courier"/>
-                </a:rPr>
-                <a:t> : </a:t>
-              </a:r>
-              <a:r>
-                <a:rPr lang="en-US" sz="3200" dirty="0">
-                  <a:solidFill>
-                    <a:schemeClr val="accent1"/>
-                  </a:solidFill>
-                  <a:latin typeface="Courier"/>
-                  <a:cs typeface="Courier"/>
-                </a:rPr>
-                <a:t>t1*t2</a:t>
-              </a:r>
-            </a:p>
-          </p:txBody>
-        </p:sp>
-      </p:grpSp>
-      <p:sp>
-        <p:nvSpPr>
-          <p:cNvPr id="11" name="TextBox 10"/>
+      <p:sp>
+        <p:nvSpPr>
+          <p:cNvPr id="13" name="TextBox 12">
+            <a:extLst>
+              <a:ext uri="{FF2B5EF4-FFF2-40B4-BE49-F238E27FC236}">
+                <a16:creationId xmlns:a16="http://schemas.microsoft.com/office/drawing/2014/main" id="{3BB4707F-DD52-AA4C-80E1-C7D145AE243D}"/>
+              </a:ext>
+            </a:extLst>
+          </p:cNvPr>
           <p:cNvSpPr txBox="1"/>
           <p:nvPr/>
         </p:nvSpPr>
         <p:spPr>
           <a:xfrm>
             <a:off x="1216995" y="6105812"/>
-            <a:ext cx="6482209" cy="369332"/>
+            <a:ext cx="6486071" cy="646331"/>
           </a:xfrm>
           <a:prstGeom prst="rect">
             <a:avLst/>
@@ -15031,6 +15049,18 @@
           <a:p>
             <a:r>
               <a:rPr lang="en-US" dirty="0">
+                <a:solidFill>
+                  <a:schemeClr val="accent6"/>
+                </a:solidFill>
+                <a:latin typeface="CronosPro-Regular"/>
+                <a:cs typeface="CronosPro-Regular"/>
+              </a:rPr>
+              <a:t>computing with evidence:</a:t>
+            </a:r>
+          </a:p>
+          <a:p>
+            <a:r>
+              <a:rPr lang="en-US" dirty="0">
                 <a:latin typeface="CronosPro-Regular"/>
                 <a:cs typeface="CronosPro-Regular"/>
               </a:rPr>
@@ -15070,7 +15100,7 @@
     </p:spTree>
     <p:extLst>
       <p:ext uri="{BB962C8B-B14F-4D97-AF65-F5344CB8AC3E}">
-        <p14:creationId xmlns:p14="http://schemas.microsoft.com/office/powerpoint/2010/main" val="4231743950"/>
+        <p14:creationId xmlns:p14="http://schemas.microsoft.com/office/powerpoint/2010/main" val="3864997599"/>
       </p:ext>
     </p:extLst>
   </p:cSld>

--- a/23-curryhoward/lec.pptx
+++ b/23-curryhoward/lec.pptx
@@ -17435,20 +17435,30 @@
         <p:spPr/>
         <p:txBody>
           <a:bodyPr>
-            <a:normAutofit/>
+            <a:normAutofit fontScale="92500"/>
           </a:bodyPr>
           <a:lstStyle/>
           <a:p>
             <a:pPr marL="57150" indent="-457200"/>
             <a:r>
               <a:rPr lang="en-US" dirty="0"/>
-              <a:t>MS3 due in last week </a:t>
-            </a:r>
-            <a:r>
-              <a:rPr lang="en-US"/>
-              <a:t>of classes</a:t>
-            </a:r>
-            <a:endParaRPr lang="en-US" dirty="0"/>
+              <a:t>MS2 deliverables due tonight, </a:t>
+            </a:r>
+            <a:r>
+              <a:rPr lang="en-US" dirty="0">
+                <a:solidFill>
+                  <a:schemeClr val="accent2"/>
+                </a:solidFill>
+              </a:rPr>
+              <a:t>no late submissions</a:t>
+            </a:r>
+          </a:p>
+          <a:p>
+            <a:pPr marL="57150" indent="-457200"/>
+            <a:r>
+              <a:rPr lang="en-US" dirty="0"/>
+              <a:t>MS3 due in last week of classes</a:t>
+            </a:r>
           </a:p>
           <a:p>
             <a:pPr marL="57150" indent="-457200"/>
